--- a/backend_folder_structure.pptx
+++ b/backend_folder_structure.pptx
@@ -272,7 +272,7 @@
           <a:p>
             <a:fld id="{2CF87522-1455-45E2-ADE3-FA5183978FB4}" type="datetimeFigureOut">
               <a:rPr lang="en-US" smtClean="0"/>
-              <a:t>11/9/2021</a:t>
+              <a:t>11/12/2021</a:t>
             </a:fld>
             <a:endParaRPr lang="en-US"/>
           </a:p>
@@ -470,7 +470,7 @@
           <a:p>
             <a:fld id="{2CF87522-1455-45E2-ADE3-FA5183978FB4}" type="datetimeFigureOut">
               <a:rPr lang="en-US" smtClean="0"/>
-              <a:t>11/9/2021</a:t>
+              <a:t>11/12/2021</a:t>
             </a:fld>
             <a:endParaRPr lang="en-US"/>
           </a:p>
@@ -678,7 +678,7 @@
           <a:p>
             <a:fld id="{2CF87522-1455-45E2-ADE3-FA5183978FB4}" type="datetimeFigureOut">
               <a:rPr lang="en-US" smtClean="0"/>
-              <a:t>11/9/2021</a:t>
+              <a:t>11/12/2021</a:t>
             </a:fld>
             <a:endParaRPr lang="en-US"/>
           </a:p>
@@ -876,7 +876,7 @@
           <a:p>
             <a:fld id="{2CF87522-1455-45E2-ADE3-FA5183978FB4}" type="datetimeFigureOut">
               <a:rPr lang="en-US" smtClean="0"/>
-              <a:t>11/9/2021</a:t>
+              <a:t>11/12/2021</a:t>
             </a:fld>
             <a:endParaRPr lang="en-US"/>
           </a:p>
@@ -1151,7 +1151,7 @@
           <a:p>
             <a:fld id="{2CF87522-1455-45E2-ADE3-FA5183978FB4}" type="datetimeFigureOut">
               <a:rPr lang="en-US" smtClean="0"/>
-              <a:t>11/9/2021</a:t>
+              <a:t>11/12/2021</a:t>
             </a:fld>
             <a:endParaRPr lang="en-US"/>
           </a:p>
@@ -1416,7 +1416,7 @@
           <a:p>
             <a:fld id="{2CF87522-1455-45E2-ADE3-FA5183978FB4}" type="datetimeFigureOut">
               <a:rPr lang="en-US" smtClean="0"/>
-              <a:t>11/9/2021</a:t>
+              <a:t>11/12/2021</a:t>
             </a:fld>
             <a:endParaRPr lang="en-US"/>
           </a:p>
@@ -1828,7 +1828,7 @@
           <a:p>
             <a:fld id="{2CF87522-1455-45E2-ADE3-FA5183978FB4}" type="datetimeFigureOut">
               <a:rPr lang="en-US" smtClean="0"/>
-              <a:t>11/9/2021</a:t>
+              <a:t>11/12/2021</a:t>
             </a:fld>
             <a:endParaRPr lang="en-US"/>
           </a:p>
@@ -1969,7 +1969,7 @@
           <a:p>
             <a:fld id="{2CF87522-1455-45E2-ADE3-FA5183978FB4}" type="datetimeFigureOut">
               <a:rPr lang="en-US" smtClean="0"/>
-              <a:t>11/9/2021</a:t>
+              <a:t>11/12/2021</a:t>
             </a:fld>
             <a:endParaRPr lang="en-US"/>
           </a:p>
@@ -2082,7 +2082,7 @@
           <a:p>
             <a:fld id="{2CF87522-1455-45E2-ADE3-FA5183978FB4}" type="datetimeFigureOut">
               <a:rPr lang="en-US" smtClean="0"/>
-              <a:t>11/9/2021</a:t>
+              <a:t>11/12/2021</a:t>
             </a:fld>
             <a:endParaRPr lang="en-US"/>
           </a:p>
@@ -2393,7 +2393,7 @@
           <a:p>
             <a:fld id="{2CF87522-1455-45E2-ADE3-FA5183978FB4}" type="datetimeFigureOut">
               <a:rPr lang="en-US" smtClean="0"/>
-              <a:t>11/9/2021</a:t>
+              <a:t>11/12/2021</a:t>
             </a:fld>
             <a:endParaRPr lang="en-US"/>
           </a:p>
@@ -2681,7 +2681,7 @@
           <a:p>
             <a:fld id="{2CF87522-1455-45E2-ADE3-FA5183978FB4}" type="datetimeFigureOut">
               <a:rPr lang="en-US" smtClean="0"/>
-              <a:t>11/9/2021</a:t>
+              <a:t>11/12/2021</a:t>
             </a:fld>
             <a:endParaRPr lang="en-US"/>
           </a:p>
@@ -2922,7 +2922,7 @@
           <a:p>
             <a:fld id="{2CF87522-1455-45E2-ADE3-FA5183978FB4}" type="datetimeFigureOut">
               <a:rPr lang="en-US" smtClean="0"/>
-              <a:t>11/9/2021</a:t>
+              <a:t>11/12/2021</a:t>
             </a:fld>
             <a:endParaRPr lang="en-US"/>
           </a:p>
@@ -3861,10 +3861,10 @@
       </p:sp>
       <p:sp>
         <p:nvSpPr>
-          <p:cNvPr id="11" name="Flowchart: Alternate Process 10">
-            <a:extLst>
-              <a:ext uri="{FF2B5EF4-FFF2-40B4-BE49-F238E27FC236}">
-                <a16:creationId xmlns:a16="http://schemas.microsoft.com/office/drawing/2014/main" id="{82DECF90-F22A-460D-AC05-EE43BFD03CE6}"/>
+          <p:cNvPr id="15" name="Flowchart: Alternate Process 14">
+            <a:extLst>
+              <a:ext uri="{FF2B5EF4-FFF2-40B4-BE49-F238E27FC236}">
+                <a16:creationId xmlns:a16="http://schemas.microsoft.com/office/drawing/2014/main" id="{8A5A1B0C-D90F-407C-A18F-523FC401B0B4}"/>
               </a:ext>
             </a:extLst>
           </p:cNvPr>
@@ -3873,8 +3873,8 @@
         </p:nvSpPr>
         <p:spPr>
           <a:xfrm>
-            <a:off x="3574984" y="4724400"/>
-            <a:ext cx="1759016" cy="685800"/>
+            <a:off x="6213510" y="4724400"/>
+            <a:ext cx="2168490" cy="685800"/>
           </a:xfrm>
           <a:prstGeom prst="flowChartAlternateProcess">
             <a:avLst/>
@@ -3905,61 +3905,10 @@
           <a:p>
             <a:pPr algn="ctr"/>
             <a:r>
-              <a:rPr lang="en-US" dirty="0"/>
-              <a:t>PROD_DB_URL</a:t>
-            </a:r>
-          </a:p>
-        </p:txBody>
-      </p:sp>
-      <p:sp>
-        <p:nvSpPr>
-          <p:cNvPr id="15" name="Flowchart: Alternate Process 14">
-            <a:extLst>
-              <a:ext uri="{FF2B5EF4-FFF2-40B4-BE49-F238E27FC236}">
-                <a16:creationId xmlns:a16="http://schemas.microsoft.com/office/drawing/2014/main" id="{8A5A1B0C-D90F-407C-A18F-523FC401B0B4}"/>
-              </a:ext>
-            </a:extLst>
-          </p:cNvPr>
-          <p:cNvSpPr/>
-          <p:nvPr/>
-        </p:nvSpPr>
-        <p:spPr>
-          <a:xfrm>
-            <a:off x="6858000" y="4724400"/>
-            <a:ext cx="1759016" cy="685800"/>
-          </a:xfrm>
-          <a:prstGeom prst="flowChartAlternateProcess">
-            <a:avLst/>
-          </a:prstGeom>
-          <a:ln>
-            <a:solidFill>
-              <a:schemeClr val="accent5"/>
-            </a:solidFill>
-          </a:ln>
-        </p:spPr>
-        <p:style>
-          <a:lnRef idx="2">
-            <a:schemeClr val="accent1"/>
-          </a:lnRef>
-          <a:fillRef idx="1">
-            <a:schemeClr val="lt1"/>
-          </a:fillRef>
-          <a:effectRef idx="0">
-            <a:schemeClr val="accent1"/>
-          </a:effectRef>
-          <a:fontRef idx="minor">
-            <a:schemeClr val="dk1"/>
-          </a:fontRef>
-        </p:style>
-        <p:txBody>
-          <a:bodyPr rtlCol="0" anchor="ctr"/>
-          <a:lstStyle/>
-          <a:p>
-            <a:pPr algn="ctr"/>
-            <a:r>
-              <a:rPr lang="en-US" dirty="0"/>
-              <a:t>DEV_DB_URL</a:t>
-            </a:r>
+              <a:rPr lang="en-US" dirty="0" err="1"/>
+              <a:t>process.env.DEV_DB</a:t>
+            </a:r>
+            <a:endParaRPr lang="en-US" dirty="0"/>
           </a:p>
         </p:txBody>
       </p:sp>
@@ -3973,15 +3922,14 @@
             </a:extLst>
           </p:cNvPr>
           <p:cNvCxnSpPr>
-            <a:stCxn id="11" idx="0"/>
-            <a:endCxn id="10" idx="1"/>
+            <a:cxnSpLocks/>
           </p:cNvCxnSpPr>
           <p:nvPr/>
         </p:nvCxnSpPr>
         <p:spPr>
           <a:xfrm rot="5400000" flipH="1" flipV="1">
-            <a:off x="4246546" y="3636946"/>
-            <a:ext cx="1295400" cy="879508"/>
+            <a:off x="4451784" y="3798069"/>
+            <a:ext cx="1295400" cy="557262"/>
           </a:xfrm>
           <a:prstGeom prst="bentConnector2">
             <a:avLst/>
@@ -4015,6 +3963,7 @@
             </a:extLst>
           </p:cNvPr>
           <p:cNvCxnSpPr>
+            <a:cxnSpLocks/>
             <a:stCxn id="15" idx="0"/>
             <a:endCxn id="10" idx="3"/>
           </p:cNvCxnSpPr>
@@ -4022,8 +3971,8 @@
         </p:nvCxnSpPr>
         <p:spPr>
           <a:xfrm rot="16200000" flipV="1">
-            <a:off x="6650054" y="3636946"/>
-            <a:ext cx="1295400" cy="879508"/>
+            <a:off x="6430178" y="3856822"/>
+            <a:ext cx="1295400" cy="439755"/>
           </a:xfrm>
           <a:prstGeom prst="bentConnector2">
             <a:avLst/>
@@ -4089,6 +4038,59 @@
           </a:fontRef>
         </p:style>
       </p:cxnSp>
+      <p:sp>
+        <p:nvSpPr>
+          <p:cNvPr id="16" name="Flowchart: Alternate Process 15">
+            <a:extLst>
+              <a:ext uri="{FF2B5EF4-FFF2-40B4-BE49-F238E27FC236}">
+                <a16:creationId xmlns:a16="http://schemas.microsoft.com/office/drawing/2014/main" id="{26FB2D46-067A-446C-8F5D-F52373FD8D5E}"/>
+              </a:ext>
+            </a:extLst>
+          </p:cNvPr>
+          <p:cNvSpPr/>
+          <p:nvPr/>
+        </p:nvSpPr>
+        <p:spPr>
+          <a:xfrm>
+            <a:off x="3657600" y="4724400"/>
+            <a:ext cx="2320891" cy="685800"/>
+          </a:xfrm>
+          <a:prstGeom prst="flowChartAlternateProcess">
+            <a:avLst/>
+          </a:prstGeom>
+          <a:ln>
+            <a:solidFill>
+              <a:schemeClr val="accent5"/>
+            </a:solidFill>
+          </a:ln>
+        </p:spPr>
+        <p:style>
+          <a:lnRef idx="2">
+            <a:schemeClr val="accent1"/>
+          </a:lnRef>
+          <a:fillRef idx="1">
+            <a:schemeClr val="lt1"/>
+          </a:fillRef>
+          <a:effectRef idx="0">
+            <a:schemeClr val="accent1"/>
+          </a:effectRef>
+          <a:fontRef idx="minor">
+            <a:schemeClr val="dk1"/>
+          </a:fontRef>
+        </p:style>
+        <p:txBody>
+          <a:bodyPr rtlCol="0" anchor="ctr"/>
+          <a:lstStyle/>
+          <a:p>
+            <a:pPr algn="ctr"/>
+            <a:r>
+              <a:rPr lang="en-US" dirty="0" err="1"/>
+              <a:t>process.env.PROD_DB</a:t>
+            </a:r>
+            <a:endParaRPr lang="en-US" dirty="0"/>
+          </a:p>
+        </p:txBody>
+      </p:sp>
     </p:spTree>
     <p:extLst>
       <p:ext uri="{BB962C8B-B14F-4D97-AF65-F5344CB8AC3E}">
@@ -4730,7 +4732,7 @@
 </file>
 
 <file path=customXml/itemProps1.xml><?xml version="1.0" encoding="utf-8"?>
-<ds:datastoreItem xmlns:ds="http://schemas.openxmlformats.org/officeDocument/2006/customXml" ds:itemID="{68811B0E-AE3F-4C3A-BE61-10A330D5A552}">
+<ds:datastoreItem xmlns:ds="http://schemas.openxmlformats.org/officeDocument/2006/customXml" ds:itemID="{4FD63445-774D-4ABE-9C4D-4F95FB834BAD}">
   <ds:schemaRefs>
     <ds:schemaRef ds:uri="http://schemas.microsoft.com/VisualStudio/2011/storyboarding/control"/>
   </ds:schemaRefs>
@@ -4746,7 +4748,7 @@
 </file>
 
 <file path=customXml/itemProps3.xml><?xml version="1.0" encoding="utf-8"?>
-<ds:datastoreItem xmlns:ds="http://schemas.openxmlformats.org/officeDocument/2006/customXml" ds:itemID="{4FD63445-774D-4ABE-9C4D-4F95FB834BAD}">
+<ds:datastoreItem xmlns:ds="http://schemas.openxmlformats.org/officeDocument/2006/customXml" ds:itemID="{68811B0E-AE3F-4C3A-BE61-10A330D5A552}">
   <ds:schemaRefs>
     <ds:schemaRef ds:uri="http://schemas.microsoft.com/VisualStudio/2011/storyboarding/control"/>
   </ds:schemaRefs>
